--- a/docs/files/Block1-3_OSF.pptx
+++ b/docs/files/Block1-3_OSF.pptx
@@ -27,21 +27,21 @@
   <p:notesSz cx="6858000" cy="9144000"/>
   <p:embeddedFontLst>
     <p:embeddedFont>
-      <p:font typeface="Average" panose="020B0604020202020204" charset="0"/>
+      <p:font typeface="Average" panose="020F0502020204030204" pitchFamily="34" charset="0"/>
       <p:regular r:id="rId17"/>
       <p:bold r:id="rId18"/>
       <p:italic r:id="rId19"/>
       <p:boldItalic r:id="rId20"/>
     </p:embeddedFont>
     <p:embeddedFont>
-      <p:font typeface="Nunito" pitchFamily="2" charset="0"/>
+      <p:font typeface="Nunito" pitchFamily="2" charset="77"/>
       <p:regular r:id="rId21"/>
       <p:bold r:id="rId22"/>
       <p:italic r:id="rId23"/>
       <p:boldItalic r:id="rId24"/>
     </p:embeddedFont>
     <p:embeddedFont>
-      <p:font typeface="Questrial" pitchFamily="2" charset="0"/>
+      <p:font typeface="Questrial" pitchFamily="2" charset="77"/>
       <p:regular r:id="rId25"/>
     </p:embeddedFont>
   </p:embeddedFontLst>
@@ -8416,29 +8416,12 @@
             </a:pPr>
             <a:r>
               <a:rPr lang="en-US" dirty="0"/>
-              <a:t>For this course there is a template set up for you to fork (copy), which can be found on the session webpage: </a:t>
+              <a:t>For this course there is a template set up for you to fork (copy), which can be found on the </a:t>
             </a:r>
             <a:r>
-              <a:rPr lang="en-US" dirty="0">
-                <a:highlight>
-                  <a:srgbClr val="FFFF00"/>
-                </a:highlight>
-              </a:rPr>
-              <a:t>insert link</a:t>
+              <a:rPr lang="en-US"/>
+              <a:t>session webpage.</a:t>
             </a:r>
-          </a:p>
-          <a:p>
-            <a:pPr marL="0" lvl="0" indent="0" algn="l" rtl="0">
-              <a:lnSpc>
-                <a:spcPct val="150000"/>
-              </a:lnSpc>
-              <a:spcBef>
-                <a:spcPts val="0"/>
-              </a:spcBef>
-              <a:spcAft>
-                <a:spcPts val="0"/>
-              </a:spcAft>
-            </a:pPr>
             <a:endParaRPr lang="en-CA" sz="1600" dirty="0"/>
           </a:p>
           <a:p>

--- a/docs/files/Block1-3_OSF.pptx
+++ b/docs/files/Block1-3_OSF.pptx
@@ -12,8 +12,8 @@
     <p:sldId id="386" r:id="rId3"/>
     <p:sldId id="391" r:id="rId4"/>
     <p:sldId id="406" r:id="rId5"/>
-    <p:sldId id="407" r:id="rId6"/>
-    <p:sldId id="415" r:id="rId7"/>
+    <p:sldId id="415" r:id="rId6"/>
+    <p:sldId id="407" r:id="rId7"/>
     <p:sldId id="411" r:id="rId8"/>
     <p:sldId id="410" r:id="rId9"/>
     <p:sldId id="412" r:id="rId10"/>
@@ -1825,7 +1825,65 @@
               </a:spcAft>
               <a:buNone/>
             </a:pPr>
-            <a:endParaRPr/>
+            <a:r>
+              <a:rPr lang="en-CA" dirty="0"/>
+              <a:t>Put on colleague hat</a:t>
+            </a:r>
+          </a:p>
+          <a:p>
+            <a:pPr marL="0" lvl="0" indent="0" algn="l" rtl="0">
+              <a:spcBef>
+                <a:spcPts val="0"/>
+              </a:spcBef>
+              <a:spcAft>
+                <a:spcPts val="0"/>
+              </a:spcAft>
+              <a:buNone/>
+            </a:pPr>
+            <a:endParaRPr lang="en-CA" dirty="0"/>
+          </a:p>
+          <a:p>
+            <a:pPr marL="0" lvl="0" indent="0" algn="l" rtl="0">
+              <a:spcBef>
+                <a:spcPts val="0"/>
+              </a:spcBef>
+              <a:spcAft>
+                <a:spcPts val="0"/>
+              </a:spcAft>
+              <a:buNone/>
+            </a:pPr>
+            <a:r>
+              <a:rPr lang="en-CA" dirty="0"/>
+              <a:t>Talk about OSF limitations</a:t>
+            </a:r>
+          </a:p>
+          <a:p>
+            <a:pPr marL="0" lvl="0" indent="0" algn="l" rtl="0">
+              <a:spcBef>
+                <a:spcPts val="0"/>
+              </a:spcBef>
+              <a:spcAft>
+                <a:spcPts val="0"/>
+              </a:spcAft>
+              <a:buNone/>
+            </a:pPr>
+            <a:endParaRPr lang="en-CA" dirty="0"/>
+          </a:p>
+          <a:p>
+            <a:pPr marL="0" lvl="0" indent="0" algn="l" rtl="0">
+              <a:spcBef>
+                <a:spcPts val="0"/>
+              </a:spcBef>
+              <a:spcAft>
+                <a:spcPts val="0"/>
+              </a:spcAft>
+              <a:buNone/>
+            </a:pPr>
+            <a:r>
+              <a:rPr lang="en-CA" dirty="0"/>
+              <a:t>Transition period and updates to software</a:t>
+            </a:r>
+            <a:endParaRPr dirty="0"/>
           </a:p>
         </p:txBody>
       </p:sp>
@@ -2333,7 +2391,67 @@
               </a:spcAft>
               <a:buNone/>
             </a:pPr>
-            <a:endParaRPr/>
+            <a:r>
+              <a:rPr lang="en-CA" dirty="0"/>
+              <a:t>Talk about other things it does:</a:t>
+            </a:r>
+          </a:p>
+          <a:p>
+            <a:pPr marL="171450" lvl="0" indent="-171450" algn="l" rtl="0">
+              <a:spcBef>
+                <a:spcPts val="0"/>
+              </a:spcBef>
+              <a:spcAft>
+                <a:spcPts val="0"/>
+              </a:spcAft>
+            </a:pPr>
+            <a:r>
+              <a:rPr lang="en-CA" dirty="0"/>
+              <a:t>Pre prints</a:t>
+            </a:r>
+          </a:p>
+          <a:p>
+            <a:pPr marL="171450" lvl="0" indent="-171450" algn="l" rtl="0">
+              <a:spcBef>
+                <a:spcPts val="0"/>
+              </a:spcBef>
+              <a:spcAft>
+                <a:spcPts val="0"/>
+              </a:spcAft>
+            </a:pPr>
+            <a:r>
+              <a:rPr lang="en-CA" dirty="0"/>
+              <a:t>Protocol registration</a:t>
+            </a:r>
+          </a:p>
+          <a:p>
+            <a:pPr marL="171450" lvl="0" indent="-171450" algn="l" rtl="0">
+              <a:spcBef>
+                <a:spcPts val="0"/>
+              </a:spcBef>
+              <a:spcAft>
+                <a:spcPts val="0"/>
+              </a:spcAft>
+            </a:pPr>
+            <a:r>
+              <a:rPr lang="en-CA" dirty="0"/>
+              <a:t>Sharing data and other materials</a:t>
+            </a:r>
+          </a:p>
+          <a:p>
+            <a:pPr marL="171450" lvl="0" indent="-171450" algn="l" rtl="0">
+              <a:spcBef>
+                <a:spcPts val="0"/>
+              </a:spcBef>
+              <a:spcAft>
+                <a:spcPts val="0"/>
+              </a:spcAft>
+            </a:pPr>
+            <a:r>
+              <a:rPr lang="en-CA" dirty="0"/>
+              <a:t>Teaching materials</a:t>
+            </a:r>
+            <a:endParaRPr dirty="0"/>
           </a:p>
         </p:txBody>
       </p:sp>
@@ -2351,6 +2469,193 @@
 </file>
 
 <file path=ppt/notesSlides/notesSlide5.xml><?xml version="1.0" encoding="utf-8"?>
+<p:notes xmlns:a="http://schemas.openxmlformats.org/drawingml/2006/main" xmlns:r="http://schemas.openxmlformats.org/officeDocument/2006/relationships" xmlns:p="http://schemas.openxmlformats.org/presentationml/2006/main" showMasterSp="0" showMasterPhAnim="0">
+  <p:cSld>
+    <p:spTree>
+      <p:nvGrpSpPr>
+        <p:cNvPr id="1" name="Shape 154">
+          <a:extLst>
+            <a:ext uri="{FF2B5EF4-FFF2-40B4-BE49-F238E27FC236}">
+              <a16:creationId xmlns:a16="http://schemas.microsoft.com/office/drawing/2014/main" id="{27F248D7-90EF-AC77-BD0B-D07834573639}"/>
+            </a:ext>
+          </a:extLst>
+        </p:cNvPr>
+        <p:cNvGrpSpPr/>
+        <p:nvPr/>
+      </p:nvGrpSpPr>
+      <p:grpSpPr>
+        <a:xfrm>
+          <a:off x="0" y="0"/>
+          <a:ext cx="0" cy="0"/>
+          <a:chOff x="0" y="0"/>
+          <a:chExt cx="0" cy="0"/>
+        </a:xfrm>
+      </p:grpSpPr>
+      <p:sp>
+        <p:nvSpPr>
+          <p:cNvPr id="155" name="Google Shape;155;ge1d838b627_4_100:notes">
+            <a:extLst>
+              <a:ext uri="{FF2B5EF4-FFF2-40B4-BE49-F238E27FC236}">
+                <a16:creationId xmlns:a16="http://schemas.microsoft.com/office/drawing/2014/main" id="{FD1416B1-C9B8-0E5F-05B1-7B61735E6C38}"/>
+              </a:ext>
+            </a:extLst>
+          </p:cNvPr>
+          <p:cNvSpPr>
+            <a:spLocks noGrp="1" noRot="1" noChangeAspect="1"/>
+          </p:cNvSpPr>
+          <p:nvPr>
+            <p:ph type="sldImg" idx="2"/>
+          </p:nvPr>
+        </p:nvSpPr>
+        <p:spPr>
+          <a:xfrm>
+            <a:off x="381000" y="685800"/>
+            <a:ext cx="6096000" cy="3429000"/>
+          </a:xfrm>
+          <a:custGeom>
+            <a:avLst/>
+            <a:gdLst/>
+            <a:ahLst/>
+            <a:cxnLst/>
+            <a:rect l="l" t="t" r="r" b="b"/>
+            <a:pathLst>
+              <a:path w="120000" h="120000" extrusionOk="0">
+                <a:moveTo>
+                  <a:pt x="0" y="0"/>
+                </a:moveTo>
+                <a:lnTo>
+                  <a:pt x="120000" y="0"/>
+                </a:lnTo>
+                <a:lnTo>
+                  <a:pt x="120000" y="120000"/>
+                </a:lnTo>
+                <a:lnTo>
+                  <a:pt x="0" y="120000"/>
+                </a:lnTo>
+                <a:close/>
+              </a:path>
+            </a:pathLst>
+          </a:custGeom>
+        </p:spPr>
+      </p:sp>
+      <p:sp>
+        <p:nvSpPr>
+          <p:cNvPr id="156" name="Google Shape;156;ge1d838b627_4_100:notes">
+            <a:extLst>
+              <a:ext uri="{FF2B5EF4-FFF2-40B4-BE49-F238E27FC236}">
+                <a16:creationId xmlns:a16="http://schemas.microsoft.com/office/drawing/2014/main" id="{175E8C34-3349-779C-C993-A38A838EAD4A}"/>
+              </a:ext>
+            </a:extLst>
+          </p:cNvPr>
+          <p:cNvSpPr txBox="1">
+            <a:spLocks noGrp="1"/>
+          </p:cNvSpPr>
+          <p:nvPr>
+            <p:ph type="body" idx="1"/>
+          </p:nvPr>
+        </p:nvSpPr>
+        <p:spPr>
+          <a:xfrm>
+            <a:off x="685800" y="4343400"/>
+            <a:ext cx="5486400" cy="4114800"/>
+          </a:xfrm>
+          <a:prstGeom prst="rect">
+            <a:avLst/>
+          </a:prstGeom>
+        </p:spPr>
+        <p:txBody>
+          <a:bodyPr spcFirstLastPara="1" wrap="square" lIns="91425" tIns="91425" rIns="91425" bIns="91425" anchor="t" anchorCtr="0">
+            <a:noAutofit/>
+          </a:bodyPr>
+          <a:lstStyle/>
+          <a:p>
+            <a:pPr marL="0" lvl="0" indent="0" algn="l" rtl="0">
+              <a:spcBef>
+                <a:spcPts val="0"/>
+              </a:spcBef>
+              <a:spcAft>
+                <a:spcPts val="0"/>
+              </a:spcAft>
+              <a:buNone/>
+            </a:pPr>
+            <a:r>
+              <a:rPr lang="en-CA" dirty="0"/>
+              <a:t>Talk about other things it does:</a:t>
+            </a:r>
+          </a:p>
+          <a:p>
+            <a:pPr marL="171450" lvl="0" indent="-171450" algn="l" rtl="0">
+              <a:spcBef>
+                <a:spcPts val="0"/>
+              </a:spcBef>
+              <a:spcAft>
+                <a:spcPts val="0"/>
+              </a:spcAft>
+            </a:pPr>
+            <a:r>
+              <a:rPr lang="en-CA" dirty="0"/>
+              <a:t>Pre prints</a:t>
+            </a:r>
+          </a:p>
+          <a:p>
+            <a:pPr marL="171450" lvl="0" indent="-171450" algn="l" rtl="0">
+              <a:spcBef>
+                <a:spcPts val="0"/>
+              </a:spcBef>
+              <a:spcAft>
+                <a:spcPts val="0"/>
+              </a:spcAft>
+            </a:pPr>
+            <a:r>
+              <a:rPr lang="en-CA" dirty="0"/>
+              <a:t>Protocol registration</a:t>
+            </a:r>
+          </a:p>
+          <a:p>
+            <a:pPr marL="171450" lvl="0" indent="-171450" algn="l" rtl="0">
+              <a:spcBef>
+                <a:spcPts val="0"/>
+              </a:spcBef>
+              <a:spcAft>
+                <a:spcPts val="0"/>
+              </a:spcAft>
+            </a:pPr>
+            <a:r>
+              <a:rPr lang="en-CA" dirty="0"/>
+              <a:t>Sharing data and other materials</a:t>
+            </a:r>
+          </a:p>
+          <a:p>
+            <a:pPr marL="171450" lvl="0" indent="-171450" algn="l" rtl="0">
+              <a:spcBef>
+                <a:spcPts val="0"/>
+              </a:spcBef>
+              <a:spcAft>
+                <a:spcPts val="0"/>
+              </a:spcAft>
+            </a:pPr>
+            <a:r>
+              <a:rPr lang="en-CA" dirty="0"/>
+              <a:t>Teaching materials</a:t>
+            </a:r>
+            <a:endParaRPr dirty="0"/>
+          </a:p>
+        </p:txBody>
+      </p:sp>
+    </p:spTree>
+    <p:extLst>
+      <p:ext uri="{BB962C8B-B14F-4D97-AF65-F5344CB8AC3E}">
+        <p14:creationId xmlns:p14="http://schemas.microsoft.com/office/powerpoint/2010/main" val="4164358508"/>
+      </p:ext>
+    </p:extLst>
+  </p:cSld>
+  <p:clrMapOvr>
+    <a:masterClrMapping/>
+  </p:clrMapOvr>
+</p:notes>
+</file>
+
+<file path=ppt/notesSlides/notesSlide6.xml><?xml version="1.0" encoding="utf-8"?>
 <p:notes xmlns:a="http://schemas.openxmlformats.org/drawingml/2006/main" xmlns:r="http://schemas.openxmlformats.org/officeDocument/2006/relationships" xmlns:p="http://schemas.openxmlformats.org/presentationml/2006/main" showMasterSp="0" showMasterPhAnim="0">
   <p:cSld>
     <p:spTree>
@@ -2468,133 +2773,6 @@
     <p:extLst>
       <p:ext uri="{BB962C8B-B14F-4D97-AF65-F5344CB8AC3E}">
         <p14:creationId xmlns:p14="http://schemas.microsoft.com/office/powerpoint/2010/main" val="3762658949"/>
-      </p:ext>
-    </p:extLst>
-  </p:cSld>
-  <p:clrMapOvr>
-    <a:masterClrMapping/>
-  </p:clrMapOvr>
-</p:notes>
-</file>
-
-<file path=ppt/notesSlides/notesSlide6.xml><?xml version="1.0" encoding="utf-8"?>
-<p:notes xmlns:a="http://schemas.openxmlformats.org/drawingml/2006/main" xmlns:r="http://schemas.openxmlformats.org/officeDocument/2006/relationships" xmlns:p="http://schemas.openxmlformats.org/presentationml/2006/main" showMasterSp="0" showMasterPhAnim="0">
-  <p:cSld>
-    <p:spTree>
-      <p:nvGrpSpPr>
-        <p:cNvPr id="1" name="Shape 154">
-          <a:extLst>
-            <a:ext uri="{FF2B5EF4-FFF2-40B4-BE49-F238E27FC236}">
-              <a16:creationId xmlns:a16="http://schemas.microsoft.com/office/drawing/2014/main" id="{E95C0067-EEA5-5D8E-6EB0-83A5DACE840E}"/>
-            </a:ext>
-          </a:extLst>
-        </p:cNvPr>
-        <p:cNvGrpSpPr/>
-        <p:nvPr/>
-      </p:nvGrpSpPr>
-      <p:grpSpPr>
-        <a:xfrm>
-          <a:off x="0" y="0"/>
-          <a:ext cx="0" cy="0"/>
-          <a:chOff x="0" y="0"/>
-          <a:chExt cx="0" cy="0"/>
-        </a:xfrm>
-      </p:grpSpPr>
-      <p:sp>
-        <p:nvSpPr>
-          <p:cNvPr id="155" name="Google Shape;155;ge1d838b627_4_100:notes">
-            <a:extLst>
-              <a:ext uri="{FF2B5EF4-FFF2-40B4-BE49-F238E27FC236}">
-                <a16:creationId xmlns:a16="http://schemas.microsoft.com/office/drawing/2014/main" id="{2DF7353C-5A72-F619-D6B9-16D48E2BF706}"/>
-              </a:ext>
-            </a:extLst>
-          </p:cNvPr>
-          <p:cNvSpPr>
-            <a:spLocks noGrp="1" noRot="1" noChangeAspect="1"/>
-          </p:cNvSpPr>
-          <p:nvPr>
-            <p:ph type="sldImg" idx="2"/>
-          </p:nvPr>
-        </p:nvSpPr>
-        <p:spPr>
-          <a:xfrm>
-            <a:off x="381000" y="685800"/>
-            <a:ext cx="6096000" cy="3429000"/>
-          </a:xfrm>
-          <a:custGeom>
-            <a:avLst/>
-            <a:gdLst/>
-            <a:ahLst/>
-            <a:cxnLst/>
-            <a:rect l="l" t="t" r="r" b="b"/>
-            <a:pathLst>
-              <a:path w="120000" h="120000" extrusionOk="0">
-                <a:moveTo>
-                  <a:pt x="0" y="0"/>
-                </a:moveTo>
-                <a:lnTo>
-                  <a:pt x="120000" y="0"/>
-                </a:lnTo>
-                <a:lnTo>
-                  <a:pt x="120000" y="120000"/>
-                </a:lnTo>
-                <a:lnTo>
-                  <a:pt x="0" y="120000"/>
-                </a:lnTo>
-                <a:close/>
-              </a:path>
-            </a:pathLst>
-          </a:custGeom>
-        </p:spPr>
-      </p:sp>
-      <p:sp>
-        <p:nvSpPr>
-          <p:cNvPr id="156" name="Google Shape;156;ge1d838b627_4_100:notes">
-            <a:extLst>
-              <a:ext uri="{FF2B5EF4-FFF2-40B4-BE49-F238E27FC236}">
-                <a16:creationId xmlns:a16="http://schemas.microsoft.com/office/drawing/2014/main" id="{11D5A341-2B23-DDDB-064D-9C4C618AC420}"/>
-              </a:ext>
-            </a:extLst>
-          </p:cNvPr>
-          <p:cNvSpPr txBox="1">
-            <a:spLocks noGrp="1"/>
-          </p:cNvSpPr>
-          <p:nvPr>
-            <p:ph type="body" idx="1"/>
-          </p:nvPr>
-        </p:nvSpPr>
-        <p:spPr>
-          <a:xfrm>
-            <a:off x="685800" y="4343400"/>
-            <a:ext cx="5486400" cy="4114800"/>
-          </a:xfrm>
-          <a:prstGeom prst="rect">
-            <a:avLst/>
-          </a:prstGeom>
-        </p:spPr>
-        <p:txBody>
-          <a:bodyPr spcFirstLastPara="1" wrap="square" lIns="91425" tIns="91425" rIns="91425" bIns="91425" anchor="t" anchorCtr="0">
-            <a:noAutofit/>
-          </a:bodyPr>
-          <a:lstStyle/>
-          <a:p>
-            <a:pPr marL="0" lvl="0" indent="0" algn="l" rtl="0">
-              <a:spcBef>
-                <a:spcPts val="0"/>
-              </a:spcBef>
-              <a:spcAft>
-                <a:spcPts val="0"/>
-              </a:spcAft>
-              <a:buNone/>
-            </a:pPr>
-            <a:endParaRPr/>
-          </a:p>
-        </p:txBody>
-      </p:sp>
-    </p:spTree>
-    <p:extLst>
-      <p:ext uri="{BB962C8B-B14F-4D97-AF65-F5344CB8AC3E}">
-        <p14:creationId xmlns:p14="http://schemas.microsoft.com/office/powerpoint/2010/main" val="426848480"/>
       </p:ext>
     </p:extLst>
   </p:cSld>
@@ -2714,7 +2892,38 @@
               </a:spcAft>
               <a:buNone/>
             </a:pPr>
-            <a:endParaRPr/>
+            <a:r>
+              <a:rPr lang="en-CA" dirty="0"/>
+              <a:t>Importance of version control in a project</a:t>
+            </a:r>
+          </a:p>
+          <a:p>
+            <a:pPr marL="0" lvl="0" indent="0" algn="l" rtl="0">
+              <a:spcBef>
+                <a:spcPts val="0"/>
+              </a:spcBef>
+              <a:spcAft>
+                <a:spcPts val="0"/>
+              </a:spcAft>
+              <a:buNone/>
+            </a:pPr>
+            <a:endParaRPr lang="en-CA" dirty="0"/>
+          </a:p>
+          <a:p>
+            <a:pPr marL="0" lvl="0" indent="0" algn="l" rtl="0">
+              <a:spcBef>
+                <a:spcPts val="0"/>
+              </a:spcBef>
+              <a:spcAft>
+                <a:spcPts val="0"/>
+              </a:spcAft>
+              <a:buNone/>
+            </a:pPr>
+            <a:r>
+              <a:rPr lang="en-CA" dirty="0"/>
+              <a:t>Especially in a collaborative project</a:t>
+            </a:r>
+            <a:endParaRPr dirty="0"/>
           </a:p>
         </p:txBody>
       </p:sp>
@@ -6202,7 +6411,7 @@
               <a:buChar char="•"/>
             </a:pPr>
             <a:r>
-              <a:rPr lang="en-US" sz="1800" b="1" dirty="0"/>
+              <a:rPr lang="en-US" sz="1600" b="1" dirty="0"/>
               <a:t>Manual version control</a:t>
             </a:r>
           </a:p>
@@ -6217,7 +6426,7 @@
               <a:buFont typeface="Arial" panose="020B0604020202020204" pitchFamily="34" charset="0"/>
               <a:buChar char="•"/>
             </a:pPr>
-            <a:endParaRPr lang="en-US" dirty="0"/>
+            <a:endParaRPr lang="en-US" sz="1600" dirty="0"/>
           </a:p>
           <a:p>
             <a:pPr marL="742950" lvl="1" indent="-285750" algn="l">
@@ -6225,7 +6434,7 @@
               <a:buChar char="•"/>
             </a:pPr>
             <a:r>
-              <a:rPr lang="en-US" dirty="0"/>
+              <a:rPr lang="en-US" sz="1600" dirty="0"/>
               <a:t>Accomplished using file naming conventions</a:t>
             </a:r>
           </a:p>
@@ -6235,7 +6444,7 @@
               <a:buChar char="•"/>
             </a:pPr>
             <a:r>
-              <a:rPr lang="en-US" dirty="0"/>
+              <a:rPr lang="en-US" sz="1600" dirty="0"/>
               <a:t>Most common systems include:</a:t>
             </a:r>
           </a:p>
@@ -6245,15 +6454,15 @@
               <a:buChar char="•"/>
             </a:pPr>
             <a:r>
-              <a:rPr lang="en-US" dirty="0"/>
+              <a:rPr lang="en-US" sz="1600" dirty="0"/>
               <a:t>Adding a version after a file name (</a:t>
             </a:r>
             <a:r>
-              <a:rPr lang="en-US" dirty="0" err="1"/>
+              <a:rPr lang="en-US" sz="1600" dirty="0" err="1"/>
               <a:t>ie</a:t>
             </a:r>
             <a:r>
-              <a:rPr lang="en-US" dirty="0"/>
+              <a:rPr lang="en-US" sz="1600" dirty="0"/>
               <a:t>. _v01, _v02, etc.) </a:t>
             </a:r>
           </a:p>
@@ -6263,23 +6472,23 @@
               <a:buChar char="•"/>
             </a:pPr>
             <a:r>
-              <a:rPr lang="en-US" dirty="0"/>
+              <a:rPr lang="en-US" sz="1600" dirty="0"/>
               <a:t>Adding editor initials after a file name (</a:t>
             </a:r>
             <a:r>
-              <a:rPr lang="en-US" dirty="0" err="1"/>
+              <a:rPr lang="en-US" sz="1600" dirty="0" err="1"/>
               <a:t>ie</a:t>
             </a:r>
             <a:r>
-              <a:rPr lang="en-US" dirty="0"/>
+              <a:rPr lang="en-US" sz="1600" dirty="0"/>
               <a:t>. _NR, </a:t>
             </a:r>
             <a:r>
-              <a:rPr lang="en-US" dirty="0" err="1"/>
+              <a:rPr lang="en-US" sz="1600" dirty="0" err="1"/>
               <a:t>ie</a:t>
             </a:r>
             <a:r>
-              <a:rPr lang="en-US" dirty="0"/>
+              <a:rPr lang="en-US" sz="1600" dirty="0"/>
               <a:t>. _BN)</a:t>
             </a:r>
           </a:p>
@@ -6288,7 +6497,7 @@
               <a:buFont typeface="Arial" panose="020B0604020202020204" pitchFamily="34" charset="0"/>
               <a:buChar char="•"/>
             </a:pPr>
-            <a:endParaRPr lang="en-US" dirty="0"/>
+            <a:endParaRPr lang="en-US" sz="1600" dirty="0"/>
           </a:p>
           <a:p>
             <a:pPr marL="742950" lvl="1" indent="-285750" algn="l">
@@ -6296,7 +6505,7 @@
               <a:buChar char="•"/>
             </a:pPr>
             <a:r>
-              <a:rPr lang="en-US" dirty="0"/>
+              <a:rPr lang="en-US" sz="1600" dirty="0"/>
               <a:t>We will be covering file naming conventions more in the next block – stay tuned!</a:t>
             </a:r>
           </a:p>
@@ -6546,7 +6755,7 @@
               <a:buChar char="•"/>
             </a:pPr>
             <a:r>
-              <a:rPr lang="en-US" sz="1800" b="1" dirty="0"/>
+              <a:rPr lang="en-US" sz="1600" b="1" dirty="0"/>
               <a:t>Automated version control</a:t>
             </a:r>
           </a:p>
@@ -6561,7 +6770,7 @@
               <a:buFont typeface="Arial" panose="020B0604020202020204" pitchFamily="34" charset="0"/>
               <a:buChar char="•"/>
             </a:pPr>
-            <a:endParaRPr lang="en-US" dirty="0"/>
+            <a:endParaRPr lang="en-US" sz="1600" dirty="0"/>
           </a:p>
           <a:p>
             <a:pPr marL="742950" lvl="1" indent="-285750" algn="l">
@@ -6569,7 +6778,7 @@
               <a:buChar char="•"/>
             </a:pPr>
             <a:r>
-              <a:rPr lang="en-US" dirty="0"/>
+              <a:rPr lang="en-US" sz="1600" dirty="0"/>
               <a:t>Computing applications that employ metadata to capture similar information to that of manual naming systems</a:t>
             </a:r>
           </a:p>
@@ -6579,7 +6788,7 @@
               <a:buChar char="•"/>
             </a:pPr>
             <a:r>
-              <a:rPr lang="en-US" dirty="0"/>
+              <a:rPr lang="en-US" sz="1600" dirty="0"/>
               <a:t>Some systems can be quite complex and don’t lend themselves well to every type of project/workflow</a:t>
             </a:r>
           </a:p>
@@ -6589,14 +6798,9 @@
               <a:buChar char="•"/>
             </a:pPr>
             <a:r>
-              <a:rPr lang="en-US" dirty="0"/>
-              <a:t>For this course, well be using the automated version </a:t>
+              <a:rPr lang="en-US" sz="1600" dirty="0"/>
+              <a:t>For this course, well be using the automated version control system in OSF</a:t>
             </a:r>
-            <a:r>
-              <a:rPr lang="en-US"/>
-              <a:t>control system in OSF</a:t>
-            </a:r>
-            <a:endParaRPr lang="en-US" dirty="0"/>
           </a:p>
           <a:p>
             <a:pPr marL="742950" lvl="1" indent="-285750" algn="l">
@@ -6883,7 +7087,7 @@
             </a:pPr>
             <a:r>
               <a:rPr lang="en-US" dirty="0"/>
-              <a:t>Setting storage preferences</a:t>
+              <a:t>Forking the project template</a:t>
             </a:r>
           </a:p>
           <a:p>
@@ -6896,7 +7100,7 @@
             </a:pPr>
             <a:r>
               <a:rPr lang="en-US" dirty="0"/>
-              <a:t>Forking the project template</a:t>
+              <a:t>Setting storage preferences</a:t>
             </a:r>
           </a:p>
           <a:p>
@@ -7649,13 +7853,42 @@
             <a:endParaRPr lang="en-CA" sz="1600" dirty="0"/>
           </a:p>
           <a:p>
+            <a:pPr marL="285750" lvl="0" indent="-285750" algn="l" rtl="0">
+              <a:spcBef>
+                <a:spcPts val="0"/>
+              </a:spcBef>
+              <a:spcAft>
+                <a:spcPts val="0"/>
+              </a:spcAft>
+              <a:buFont typeface="Arial" panose="020B0604020202020204" pitchFamily="34" charset="0"/>
+              <a:buChar char="•"/>
+            </a:pPr>
+            <a:r>
+              <a:rPr lang="en-CA" sz="1600" dirty="0"/>
+              <a:t>Walk-through of OSF functions</a:t>
+            </a:r>
+          </a:p>
+          <a:p>
+            <a:pPr marL="285750" lvl="0" indent="-285750" algn="l" rtl="0">
+              <a:spcBef>
+                <a:spcPts val="0"/>
+              </a:spcBef>
+              <a:spcAft>
+                <a:spcPts val="0"/>
+              </a:spcAft>
+              <a:buFont typeface="Arial" panose="020B0604020202020204" pitchFamily="34" charset="0"/>
+              <a:buChar char="•"/>
+            </a:pPr>
+            <a:endParaRPr lang="en-CA" sz="1600" dirty="0"/>
+          </a:p>
+          <a:p>
             <a:pPr marL="285750" indent="-285750">
               <a:buFont typeface="Arial" panose="020B0604020202020204" pitchFamily="34" charset="0"/>
               <a:buChar char="•"/>
             </a:pPr>
             <a:r>
               <a:rPr lang="en-CA" sz="1600" dirty="0"/>
-              <a:t>Present all project files, folders, and how the workflow will work for this course</a:t>
+              <a:t>Discuss project files and how the workflow will work for this course</a:t>
             </a:r>
           </a:p>
           <a:p>
@@ -8076,7 +8309,7 @@
               <a:buChar char="•"/>
             </a:pPr>
             <a:r>
-              <a:rPr lang="en-US" dirty="0"/>
+              <a:rPr lang="en-US" sz="1600" dirty="0"/>
               <a:t>An online data storage platform that supports good RDM practices and facilitates collaboration, transparency, and reproducibility in research.</a:t>
             </a:r>
           </a:p>
@@ -8091,7 +8324,7 @@
               <a:buFont typeface="Arial" panose="020B0604020202020204" pitchFamily="34" charset="0"/>
               <a:buChar char="•"/>
             </a:pPr>
-            <a:endParaRPr lang="en-US" dirty="0"/>
+            <a:endParaRPr lang="en-US" sz="1600" dirty="0"/>
           </a:p>
           <a:p>
             <a:pPr marL="285750" lvl="0" indent="-285750" algn="l" rtl="0">
@@ -8105,7 +8338,7 @@
               <a:buChar char="•"/>
             </a:pPr>
             <a:r>
-              <a:rPr lang="en-US" dirty="0"/>
+              <a:rPr lang="en-US" sz="1600" dirty="0"/>
               <a:t>Does this by provisioning descriptive metadata, version control, access restrictions, persistent identifiers, and regional cloud storage options.</a:t>
             </a:r>
           </a:p>
@@ -8120,7 +8353,7 @@
               <a:buFont typeface="Arial" panose="020B0604020202020204" pitchFamily="34" charset="0"/>
               <a:buChar char="•"/>
             </a:pPr>
-            <a:endParaRPr lang="en-US" dirty="0"/>
+            <a:endParaRPr lang="en-US" sz="1600" dirty="0"/>
           </a:p>
           <a:p>
             <a:pPr marL="285750" lvl="0" indent="-285750" algn="l" rtl="0">
@@ -8134,7 +8367,7 @@
               <a:buChar char="•"/>
             </a:pPr>
             <a:r>
-              <a:rPr lang="en-US" dirty="0"/>
+              <a:rPr lang="en-US" sz="1600" dirty="0"/>
               <a:t>Has built-in connections to various other research platforms to act as a centralized hub for research projects.</a:t>
             </a:r>
           </a:p>
@@ -8281,6 +8514,299 @@
         <p:cNvPr id="1" name="Shape 157">
           <a:extLst>
             <a:ext uri="{FF2B5EF4-FFF2-40B4-BE49-F238E27FC236}">
+              <a16:creationId xmlns:a16="http://schemas.microsoft.com/office/drawing/2014/main" id="{ECE04C8E-295A-43CA-814A-7FA7AF21B7F1}"/>
+            </a:ext>
+          </a:extLst>
+        </p:cNvPr>
+        <p:cNvGrpSpPr/>
+        <p:nvPr/>
+      </p:nvGrpSpPr>
+      <p:grpSpPr>
+        <a:xfrm>
+          <a:off x="0" y="0"/>
+          <a:ext cx="0" cy="0"/>
+          <a:chOff x="0" y="0"/>
+          <a:chExt cx="0" cy="0"/>
+        </a:xfrm>
+      </p:grpSpPr>
+      <p:sp>
+        <p:nvSpPr>
+          <p:cNvPr id="158" name="Google Shape;158;p30">
+            <a:extLst>
+              <a:ext uri="{FF2B5EF4-FFF2-40B4-BE49-F238E27FC236}">
+                <a16:creationId xmlns:a16="http://schemas.microsoft.com/office/drawing/2014/main" id="{E1A7E30E-60A9-6E2F-F535-A7C5A5D05F78}"/>
+              </a:ext>
+            </a:extLst>
+          </p:cNvPr>
+          <p:cNvSpPr txBox="1">
+            <a:spLocks noGrp="1"/>
+          </p:cNvSpPr>
+          <p:nvPr>
+            <p:ph type="title" idx="6"/>
+          </p:nvPr>
+        </p:nvSpPr>
+        <p:spPr>
+          <a:xfrm>
+            <a:off x="710750" y="387250"/>
+            <a:ext cx="4724700" cy="776400"/>
+          </a:xfrm>
+          <a:prstGeom prst="rect">
+            <a:avLst/>
+          </a:prstGeom>
+        </p:spPr>
+        <p:txBody>
+          <a:bodyPr spcFirstLastPara="1" wrap="square" lIns="91425" tIns="91425" rIns="91425" bIns="91425" anchor="t" anchorCtr="0">
+            <a:noAutofit/>
+          </a:bodyPr>
+          <a:lstStyle/>
+          <a:p>
+            <a:pPr marL="0" lvl="0" indent="0" algn="l" rtl="0">
+              <a:spcBef>
+                <a:spcPts val="0"/>
+              </a:spcBef>
+              <a:spcAft>
+                <a:spcPts val="0"/>
+              </a:spcAft>
+              <a:buNone/>
+            </a:pPr>
+            <a:r>
+              <a:rPr lang="es" b="0" dirty="0"/>
+              <a:t>Data Backup</a:t>
+            </a:r>
+            <a:endParaRPr b="0" dirty="0"/>
+          </a:p>
+        </p:txBody>
+      </p:sp>
+      <p:sp>
+        <p:nvSpPr>
+          <p:cNvPr id="162" name="Google Shape;162;p30">
+            <a:extLst>
+              <a:ext uri="{FF2B5EF4-FFF2-40B4-BE49-F238E27FC236}">
+                <a16:creationId xmlns:a16="http://schemas.microsoft.com/office/drawing/2014/main" id="{FC1019D7-62C2-7E13-2DA7-7B50F54624DF}"/>
+              </a:ext>
+            </a:extLst>
+          </p:cNvPr>
+          <p:cNvSpPr txBox="1">
+            <a:spLocks noGrp="1"/>
+          </p:cNvSpPr>
+          <p:nvPr>
+            <p:ph type="subTitle" idx="3"/>
+          </p:nvPr>
+        </p:nvSpPr>
+        <p:spPr>
+          <a:xfrm>
+            <a:off x="710750" y="1491096"/>
+            <a:ext cx="7853701" cy="2161308"/>
+          </a:xfrm>
+          <a:prstGeom prst="rect">
+            <a:avLst/>
+          </a:prstGeom>
+        </p:spPr>
+        <p:txBody>
+          <a:bodyPr spcFirstLastPara="1" wrap="square" lIns="91425" tIns="91425" rIns="91425" bIns="91425" anchor="t" anchorCtr="0">
+            <a:noAutofit/>
+          </a:bodyPr>
+          <a:lstStyle/>
+          <a:p>
+            <a:pPr marL="285750" lvl="0" indent="-285750" algn="l" rtl="0">
+              <a:spcBef>
+                <a:spcPts val="0"/>
+              </a:spcBef>
+              <a:spcAft>
+                <a:spcPts val="0"/>
+              </a:spcAft>
+              <a:buFont typeface="Arial" panose="020B0604020202020204" pitchFamily="34" charset="0"/>
+              <a:buChar char="•"/>
+            </a:pPr>
+            <a:r>
+              <a:rPr lang="en-US" sz="1800" dirty="0"/>
+              <a:t>3-2-1 Rule</a:t>
+            </a:r>
+          </a:p>
+          <a:p>
+            <a:pPr marL="0" lvl="0" indent="0" algn="l" rtl="0">
+              <a:spcBef>
+                <a:spcPts val="0"/>
+              </a:spcBef>
+              <a:spcAft>
+                <a:spcPts val="0"/>
+              </a:spcAft>
+            </a:pPr>
+            <a:endParaRPr lang="en-US" sz="1800" dirty="0"/>
+          </a:p>
+          <a:p>
+            <a:pPr marL="742950" lvl="1" indent="-285750" algn="l">
+              <a:buFont typeface="Arial" panose="020B0604020202020204" pitchFamily="34" charset="0"/>
+              <a:buChar char="•"/>
+            </a:pPr>
+            <a:r>
+              <a:rPr lang="en-US" sz="1800" dirty="0"/>
+              <a:t>3 copies of the data</a:t>
+            </a:r>
+          </a:p>
+          <a:p>
+            <a:pPr marL="742950" lvl="1" indent="-285750" algn="l">
+              <a:buFont typeface="Arial" panose="020B0604020202020204" pitchFamily="34" charset="0"/>
+              <a:buChar char="•"/>
+            </a:pPr>
+            <a:r>
+              <a:rPr lang="en-US" sz="1800" dirty="0"/>
+              <a:t>2 different types of media</a:t>
+            </a:r>
+          </a:p>
+          <a:p>
+            <a:pPr marL="742950" lvl="1" indent="-285750" algn="l">
+              <a:buFont typeface="Arial" panose="020B0604020202020204" pitchFamily="34" charset="0"/>
+              <a:buChar char="•"/>
+            </a:pPr>
+            <a:r>
+              <a:rPr lang="en-US" sz="1800" dirty="0"/>
+              <a:t>1 copy is stored offsit2</a:t>
+            </a:r>
+          </a:p>
+          <a:p>
+            <a:pPr marL="285750" lvl="0" indent="-285750" algn="l" rtl="0">
+              <a:lnSpc>
+                <a:spcPct val="150000"/>
+              </a:lnSpc>
+              <a:spcBef>
+                <a:spcPts val="0"/>
+              </a:spcBef>
+              <a:spcAft>
+                <a:spcPts val="0"/>
+              </a:spcAft>
+              <a:buFont typeface="Arial" panose="020B0604020202020204" pitchFamily="34" charset="0"/>
+              <a:buChar char="•"/>
+            </a:pPr>
+            <a:endParaRPr lang="en-CA" sz="1600" dirty="0"/>
+          </a:p>
+          <a:p>
+            <a:pPr marL="285750" lvl="0" indent="-285750" algn="l" rtl="0">
+              <a:lnSpc>
+                <a:spcPct val="150000"/>
+              </a:lnSpc>
+              <a:spcBef>
+                <a:spcPts val="0"/>
+              </a:spcBef>
+              <a:spcAft>
+                <a:spcPts val="0"/>
+              </a:spcAft>
+              <a:buFont typeface="Arial" panose="020B0604020202020204" pitchFamily="34" charset="0"/>
+              <a:buChar char="•"/>
+            </a:pPr>
+            <a:endParaRPr lang="en-CA" sz="1600" dirty="0"/>
+          </a:p>
+          <a:p>
+            <a:pPr marL="0" lvl="0" indent="0" algn="l" rtl="0">
+              <a:spcBef>
+                <a:spcPts val="0"/>
+              </a:spcBef>
+              <a:spcAft>
+                <a:spcPts val="0"/>
+              </a:spcAft>
+            </a:pPr>
+            <a:endParaRPr lang="en-CA" sz="1600" dirty="0"/>
+          </a:p>
+          <a:p>
+            <a:pPr marL="285750" lvl="0" indent="-285750" algn="l" rtl="0">
+              <a:spcBef>
+                <a:spcPts val="0"/>
+              </a:spcBef>
+              <a:spcAft>
+                <a:spcPts val="0"/>
+              </a:spcAft>
+              <a:buFont typeface="Arial" panose="020B0604020202020204" pitchFamily="34" charset="0"/>
+              <a:buChar char="•"/>
+            </a:pPr>
+            <a:endParaRPr lang="es" dirty="0"/>
+          </a:p>
+          <a:p>
+            <a:pPr marL="742950" lvl="1" indent="-285750" algn="l">
+              <a:buFont typeface="Arial" panose="020B0604020202020204" pitchFamily="34" charset="0"/>
+              <a:buChar char="•"/>
+            </a:pPr>
+            <a:endParaRPr lang="es" dirty="0"/>
+          </a:p>
+          <a:p>
+            <a:pPr marL="285750" lvl="0" indent="-285750" algn="l" rtl="0">
+              <a:spcBef>
+                <a:spcPts val="0"/>
+              </a:spcBef>
+              <a:spcAft>
+                <a:spcPts val="0"/>
+              </a:spcAft>
+              <a:buFont typeface="Arial" panose="020B0604020202020204" pitchFamily="34" charset="0"/>
+              <a:buChar char="•"/>
+            </a:pPr>
+            <a:endParaRPr dirty="0"/>
+          </a:p>
+          <a:p>
+            <a:pPr marL="0" lvl="0" indent="0" algn="l" rtl="0">
+              <a:spcBef>
+                <a:spcPts val="0"/>
+              </a:spcBef>
+              <a:spcAft>
+                <a:spcPts val="0"/>
+              </a:spcAft>
+              <a:buNone/>
+            </a:pPr>
+            <a:endParaRPr dirty="0"/>
+          </a:p>
+        </p:txBody>
+      </p:sp>
+      <p:cxnSp>
+        <p:nvCxnSpPr>
+          <p:cNvPr id="166" name="Google Shape;166;p30">
+            <a:extLst>
+              <a:ext uri="{FF2B5EF4-FFF2-40B4-BE49-F238E27FC236}">
+                <a16:creationId xmlns:a16="http://schemas.microsoft.com/office/drawing/2014/main" id="{E5786E6E-5B86-7643-2720-4E9201141E6A}"/>
+              </a:ext>
+            </a:extLst>
+          </p:cNvPr>
+          <p:cNvCxnSpPr/>
+          <p:nvPr/>
+        </p:nvCxnSpPr>
+        <p:spPr>
+          <a:xfrm>
+            <a:off x="812499" y="1045726"/>
+            <a:ext cx="4499100" cy="0"/>
+          </a:xfrm>
+          <a:prstGeom prst="straightConnector1">
+            <a:avLst/>
+          </a:prstGeom>
+          <a:noFill/>
+          <a:ln w="19050" cap="flat" cmpd="sng">
+            <a:solidFill>
+              <a:schemeClr val="dk1"/>
+            </a:solidFill>
+            <a:prstDash val="solid"/>
+            <a:round/>
+            <a:headEnd type="none" w="med" len="med"/>
+            <a:tailEnd type="none" w="med" len="med"/>
+          </a:ln>
+        </p:spPr>
+      </p:cxnSp>
+    </p:spTree>
+    <p:extLst>
+      <p:ext uri="{BB962C8B-B14F-4D97-AF65-F5344CB8AC3E}">
+        <p14:creationId xmlns:p14="http://schemas.microsoft.com/office/powerpoint/2010/main" val="1509376297"/>
+      </p:ext>
+    </p:extLst>
+  </p:cSld>
+  <p:clrMapOvr>
+    <a:masterClrMapping/>
+  </p:clrMapOvr>
+</p:sld>
+</file>
+
+<file path=ppt/slides/slide6.xml><?xml version="1.0" encoding="utf-8"?>
+<p:sld xmlns:a="http://schemas.openxmlformats.org/drawingml/2006/main" xmlns:r="http://schemas.openxmlformats.org/officeDocument/2006/relationships" xmlns:p="http://schemas.openxmlformats.org/presentationml/2006/main">
+  <p:cSld>
+    <p:spTree>
+      <p:nvGrpSpPr>
+        <p:cNvPr id="1" name="Shape 157">
+          <a:extLst>
+            <a:ext uri="{FF2B5EF4-FFF2-40B4-BE49-F238E27FC236}">
               <a16:creationId xmlns:a16="http://schemas.microsoft.com/office/drawing/2014/main" id="{AFFF8236-DAA1-BDB5-B226-950D85E14CDE}"/>
             </a:ext>
           </a:extLst>
@@ -8386,7 +8912,7 @@
               <a:buChar char="•"/>
             </a:pPr>
             <a:r>
-              <a:rPr lang="en-US" dirty="0"/>
+              <a:rPr lang="en-US" sz="1800" dirty="0"/>
               <a:t>You will hopefully have already set up an account with OSF, but if not, follow instructions on session webpage.</a:t>
             </a:r>
           </a:p>
@@ -8401,7 +8927,7 @@
               <a:buFont typeface="Arial" panose="020B0604020202020204" pitchFamily="34" charset="0"/>
               <a:buChar char="•"/>
             </a:pPr>
-            <a:endParaRPr lang="en-US" dirty="0"/>
+            <a:endParaRPr lang="en-US" sz="1800" dirty="0"/>
           </a:p>
           <a:p>
             <a:pPr marL="285750" lvl="0" indent="-285750" algn="l" rtl="0">
@@ -8415,14 +8941,10 @@
               <a:buChar char="•"/>
             </a:pPr>
             <a:r>
-              <a:rPr lang="en-US" dirty="0"/>
-              <a:t>For this course there is a template set up for you to fork (copy), which can be found on the </a:t>
+              <a:rPr lang="en-US" sz="1800" dirty="0"/>
+              <a:t>For this course there is a template set up for you to fork (copy), which can be found on the session webpage.</a:t>
             </a:r>
-            <a:r>
-              <a:rPr lang="en-US"/>
-              <a:t>session webpage.</a:t>
-            </a:r>
-            <a:endParaRPr lang="en-CA" sz="1600" dirty="0"/>
+            <a:endParaRPr lang="en-CA" sz="1800" dirty="0"/>
           </a:p>
           <a:p>
             <a:pPr marL="285750" lvl="0" indent="-285750" algn="l" rtl="0">
@@ -8534,122 +9056,6 @@
     <p:extLst>
       <p:ext uri="{BB962C8B-B14F-4D97-AF65-F5344CB8AC3E}">
         <p14:creationId xmlns:p14="http://schemas.microsoft.com/office/powerpoint/2010/main" val="1912506383"/>
-      </p:ext>
-    </p:extLst>
-  </p:cSld>
-  <p:clrMapOvr>
-    <a:masterClrMapping/>
-  </p:clrMapOvr>
-</p:sld>
-</file>
-
-<file path=ppt/slides/slide6.xml><?xml version="1.0" encoding="utf-8"?>
-<p:sld xmlns:a="http://schemas.openxmlformats.org/drawingml/2006/main" xmlns:r="http://schemas.openxmlformats.org/officeDocument/2006/relationships" xmlns:p="http://schemas.openxmlformats.org/presentationml/2006/main">
-  <p:cSld>
-    <p:spTree>
-      <p:nvGrpSpPr>
-        <p:cNvPr id="1" name="Shape 157">
-          <a:extLst>
-            <a:ext uri="{FF2B5EF4-FFF2-40B4-BE49-F238E27FC236}">
-              <a16:creationId xmlns:a16="http://schemas.microsoft.com/office/drawing/2014/main" id="{6B467FEB-81FE-0E6F-2F36-44C9FC2FDCE1}"/>
-            </a:ext>
-          </a:extLst>
-        </p:cNvPr>
-        <p:cNvGrpSpPr/>
-        <p:nvPr/>
-      </p:nvGrpSpPr>
-      <p:grpSpPr>
-        <a:xfrm>
-          <a:off x="0" y="0"/>
-          <a:ext cx="0" cy="0"/>
-          <a:chOff x="0" y="0"/>
-          <a:chExt cx="0" cy="0"/>
-        </a:xfrm>
-      </p:grpSpPr>
-      <p:sp>
-        <p:nvSpPr>
-          <p:cNvPr id="158" name="Google Shape;158;p30">
-            <a:extLst>
-              <a:ext uri="{FF2B5EF4-FFF2-40B4-BE49-F238E27FC236}">
-                <a16:creationId xmlns:a16="http://schemas.microsoft.com/office/drawing/2014/main" id="{8EB9467C-56DD-524A-5AFC-1F576537C614}"/>
-              </a:ext>
-            </a:extLst>
-          </p:cNvPr>
-          <p:cNvSpPr txBox="1">
-            <a:spLocks noGrp="1"/>
-          </p:cNvSpPr>
-          <p:nvPr>
-            <p:ph type="title" idx="6"/>
-          </p:nvPr>
-        </p:nvSpPr>
-        <p:spPr>
-          <a:xfrm>
-            <a:off x="710750" y="387250"/>
-            <a:ext cx="4724700" cy="776400"/>
-          </a:xfrm>
-          <a:prstGeom prst="rect">
-            <a:avLst/>
-          </a:prstGeom>
-        </p:spPr>
-        <p:txBody>
-          <a:bodyPr spcFirstLastPara="1" wrap="square" lIns="91425" tIns="91425" rIns="91425" bIns="91425" anchor="t" anchorCtr="0">
-            <a:noAutofit/>
-          </a:bodyPr>
-          <a:lstStyle/>
-          <a:p>
-            <a:pPr marL="0" lvl="0" indent="0" algn="l" rtl="0">
-              <a:spcBef>
-                <a:spcPts val="0"/>
-              </a:spcBef>
-              <a:spcAft>
-                <a:spcPts val="0"/>
-              </a:spcAft>
-              <a:buNone/>
-            </a:pPr>
-            <a:r>
-              <a:rPr lang="es" b="0" dirty="0"/>
-              <a:t>Why Use OSF?</a:t>
-            </a:r>
-            <a:endParaRPr b="0" dirty="0"/>
-          </a:p>
-        </p:txBody>
-      </p:sp>
-      <p:cxnSp>
-        <p:nvCxnSpPr>
-          <p:cNvPr id="166" name="Google Shape;166;p30">
-            <a:extLst>
-              <a:ext uri="{FF2B5EF4-FFF2-40B4-BE49-F238E27FC236}">
-                <a16:creationId xmlns:a16="http://schemas.microsoft.com/office/drawing/2014/main" id="{690DCB11-D308-3EF1-6DA6-28033948BBEA}"/>
-              </a:ext>
-            </a:extLst>
-          </p:cNvPr>
-          <p:cNvCxnSpPr/>
-          <p:nvPr/>
-        </p:nvCxnSpPr>
-        <p:spPr>
-          <a:xfrm>
-            <a:off x="812499" y="1045726"/>
-            <a:ext cx="4499100" cy="0"/>
-          </a:xfrm>
-          <a:prstGeom prst="straightConnector1">
-            <a:avLst/>
-          </a:prstGeom>
-          <a:noFill/>
-          <a:ln w="19050" cap="flat" cmpd="sng">
-            <a:solidFill>
-              <a:schemeClr val="dk1"/>
-            </a:solidFill>
-            <a:prstDash val="solid"/>
-            <a:round/>
-            <a:headEnd type="none" w="med" len="med"/>
-            <a:tailEnd type="none" w="med" len="med"/>
-          </a:ln>
-        </p:spPr>
-      </p:cxnSp>
-    </p:spTree>
-    <p:extLst>
-      <p:ext uri="{BB962C8B-B14F-4D97-AF65-F5344CB8AC3E}">
-        <p14:creationId xmlns:p14="http://schemas.microsoft.com/office/powerpoint/2010/main" val="280235883"/>
       </p:ext>
     </p:extLst>
   </p:cSld>
@@ -9130,7 +9536,7 @@
               <a:buChar char="•"/>
             </a:pPr>
             <a:r>
-              <a:rPr lang="en-US" dirty="0"/>
+              <a:rPr lang="en-US" sz="1600" dirty="0"/>
               <a:t>A system to keep track of your files as they undergo transitions throughout collection, analysis, reporting, and storage.</a:t>
             </a:r>
           </a:p>
@@ -9145,7 +9551,7 @@
               <a:buFont typeface="Arial" panose="020B0604020202020204" pitchFamily="34" charset="0"/>
               <a:buChar char="•"/>
             </a:pPr>
-            <a:endParaRPr lang="en-US" dirty="0"/>
+            <a:endParaRPr lang="en-US" sz="1600" dirty="0"/>
           </a:p>
           <a:p>
             <a:pPr marL="285750" lvl="0" indent="-285750" algn="l" rtl="0">
@@ -9159,7 +9565,7 @@
               <a:buChar char="•"/>
             </a:pPr>
             <a:r>
-              <a:rPr lang="en-US" dirty="0"/>
+              <a:rPr lang="en-US" sz="1600" dirty="0"/>
               <a:t>The goal of version control is to provide a light audit trail to be able to discern:</a:t>
             </a:r>
           </a:p>
@@ -9169,7 +9575,7 @@
               <a:buChar char="•"/>
             </a:pPr>
             <a:r>
-              <a:rPr lang="en-US" dirty="0"/>
+              <a:rPr lang="en-US" sz="1600" dirty="0"/>
               <a:t>What changed</a:t>
             </a:r>
           </a:p>
@@ -9179,7 +9585,7 @@
               <a:buChar char="•"/>
             </a:pPr>
             <a:r>
-              <a:rPr lang="en-US" dirty="0"/>
+              <a:rPr lang="en-US" sz="1600" dirty="0"/>
               <a:t>When it changed</a:t>
             </a:r>
           </a:p>
@@ -9189,7 +9595,7 @@
               <a:buChar char="•"/>
             </a:pPr>
             <a:r>
-              <a:rPr lang="en-US" dirty="0"/>
+              <a:rPr lang="en-US" sz="1600" dirty="0"/>
               <a:t>How it changed</a:t>
             </a:r>
           </a:p>
@@ -9199,7 +9605,7 @@
               <a:buChar char="•"/>
             </a:pPr>
             <a:r>
-              <a:rPr lang="en-US" dirty="0"/>
+              <a:rPr lang="en-US" sz="1600" dirty="0"/>
               <a:t>Who changed it</a:t>
             </a:r>
           </a:p>

--- a/docs/files/Block1-3_OSF.pptx
+++ b/docs/files/Block1-3_OSF.pptx
@@ -2578,66 +2578,6 @@
               </a:spcAft>
               <a:buNone/>
             </a:pPr>
-            <a:r>
-              <a:rPr lang="en-CA" dirty="0"/>
-              <a:t>Talk about other things it does:</a:t>
-            </a:r>
-          </a:p>
-          <a:p>
-            <a:pPr marL="171450" lvl="0" indent="-171450" algn="l" rtl="0">
-              <a:spcBef>
-                <a:spcPts val="0"/>
-              </a:spcBef>
-              <a:spcAft>
-                <a:spcPts val="0"/>
-              </a:spcAft>
-            </a:pPr>
-            <a:r>
-              <a:rPr lang="en-CA" dirty="0"/>
-              <a:t>Pre prints</a:t>
-            </a:r>
-          </a:p>
-          <a:p>
-            <a:pPr marL="171450" lvl="0" indent="-171450" algn="l" rtl="0">
-              <a:spcBef>
-                <a:spcPts val="0"/>
-              </a:spcBef>
-              <a:spcAft>
-                <a:spcPts val="0"/>
-              </a:spcAft>
-            </a:pPr>
-            <a:r>
-              <a:rPr lang="en-CA" dirty="0"/>
-              <a:t>Protocol registration</a:t>
-            </a:r>
-          </a:p>
-          <a:p>
-            <a:pPr marL="171450" lvl="0" indent="-171450" algn="l" rtl="0">
-              <a:spcBef>
-                <a:spcPts val="0"/>
-              </a:spcBef>
-              <a:spcAft>
-                <a:spcPts val="0"/>
-              </a:spcAft>
-            </a:pPr>
-            <a:r>
-              <a:rPr lang="en-CA" dirty="0"/>
-              <a:t>Sharing data and other materials</a:t>
-            </a:r>
-          </a:p>
-          <a:p>
-            <a:pPr marL="171450" lvl="0" indent="-171450" algn="l" rtl="0">
-              <a:spcBef>
-                <a:spcPts val="0"/>
-              </a:spcBef>
-              <a:spcAft>
-                <a:spcPts val="0"/>
-              </a:spcAft>
-            </a:pPr>
-            <a:r>
-              <a:rPr lang="en-CA" dirty="0"/>
-              <a:t>Teaching materials</a:t>
-            </a:r>
             <a:endParaRPr dirty="0"/>
           </a:p>
         </p:txBody>
